--- a/heat_control/Presentation_TIPE.pptx
+++ b/heat_control/Presentation_TIPE.pptx
@@ -10,6 +10,9 @@
     <p:sldId id="258" r:id="rId4"/>
     <p:sldId id="259" r:id="rId5"/>
     <p:sldId id="260" r:id="rId6"/>
+    <p:sldId id="263" r:id="rId7"/>
+    <p:sldId id="261" r:id="rId8"/>
+    <p:sldId id="262" r:id="rId9"/>
   </p:sldIdLst>
   <p:sldSz cx="12192000" cy="6858000"/>
   <p:notesSz cx="6858000" cy="9144000"/>
@@ -108,6 +111,11 @@
       </a:defRPr>
     </a:lvl9pPr>
   </p:defaultTextStyle>
+  <p:extLst>
+    <p:ext uri="{EFAFB233-063F-42B5-8137-9DF3F51BA10A}">
+      <p15:sldGuideLst xmlns:p15="http://schemas.microsoft.com/office/powerpoint/2012/main"/>
+    </p:ext>
+  </p:extLst>
 </p:presentation>
 </file>
 
@@ -242,7 +250,7 @@
           <a:p>
             <a:fld id="{43B5BB0E-B9AE-4665-805F-6BE458678F3C}" type="datetimeFigureOut">
               <a:rPr lang="fr-FR" smtClean="0"/>
-              <a:t>02/06/2016</a:t>
+              <a:t>08/06/2016</a:t>
             </a:fld>
             <a:endParaRPr lang="fr-FR"/>
           </a:p>
@@ -412,7 +420,7 @@
           <a:p>
             <a:fld id="{43B5BB0E-B9AE-4665-805F-6BE458678F3C}" type="datetimeFigureOut">
               <a:rPr lang="fr-FR" smtClean="0"/>
-              <a:t>02/06/2016</a:t>
+              <a:t>08/06/2016</a:t>
             </a:fld>
             <a:endParaRPr lang="fr-FR"/>
           </a:p>
@@ -592,7 +600,7 @@
           <a:p>
             <a:fld id="{43B5BB0E-B9AE-4665-805F-6BE458678F3C}" type="datetimeFigureOut">
               <a:rPr lang="fr-FR" smtClean="0"/>
-              <a:t>02/06/2016</a:t>
+              <a:t>08/06/2016</a:t>
             </a:fld>
             <a:endParaRPr lang="fr-FR"/>
           </a:p>
@@ -762,7 +770,7 @@
           <a:p>
             <a:fld id="{43B5BB0E-B9AE-4665-805F-6BE458678F3C}" type="datetimeFigureOut">
               <a:rPr lang="fr-FR" smtClean="0"/>
-              <a:t>02/06/2016</a:t>
+              <a:t>08/06/2016</a:t>
             </a:fld>
             <a:endParaRPr lang="fr-FR"/>
           </a:p>
@@ -1008,7 +1016,7 @@
           <a:p>
             <a:fld id="{43B5BB0E-B9AE-4665-805F-6BE458678F3C}" type="datetimeFigureOut">
               <a:rPr lang="fr-FR" smtClean="0"/>
-              <a:t>02/06/2016</a:t>
+              <a:t>08/06/2016</a:t>
             </a:fld>
             <a:endParaRPr lang="fr-FR"/>
           </a:p>
@@ -1240,7 +1248,7 @@
           <a:p>
             <a:fld id="{43B5BB0E-B9AE-4665-805F-6BE458678F3C}" type="datetimeFigureOut">
               <a:rPr lang="fr-FR" smtClean="0"/>
-              <a:t>02/06/2016</a:t>
+              <a:t>08/06/2016</a:t>
             </a:fld>
             <a:endParaRPr lang="fr-FR"/>
           </a:p>
@@ -1607,7 +1615,7 @@
           <a:p>
             <a:fld id="{43B5BB0E-B9AE-4665-805F-6BE458678F3C}" type="datetimeFigureOut">
               <a:rPr lang="fr-FR" smtClean="0"/>
-              <a:t>02/06/2016</a:t>
+              <a:t>08/06/2016</a:t>
             </a:fld>
             <a:endParaRPr lang="fr-FR"/>
           </a:p>
@@ -1725,7 +1733,7 @@
           <a:p>
             <a:fld id="{43B5BB0E-B9AE-4665-805F-6BE458678F3C}" type="datetimeFigureOut">
               <a:rPr lang="fr-FR" smtClean="0"/>
-              <a:t>02/06/2016</a:t>
+              <a:t>08/06/2016</a:t>
             </a:fld>
             <a:endParaRPr lang="fr-FR"/>
           </a:p>
@@ -1820,7 +1828,7 @@
           <a:p>
             <a:fld id="{43B5BB0E-B9AE-4665-805F-6BE458678F3C}" type="datetimeFigureOut">
               <a:rPr lang="fr-FR" smtClean="0"/>
-              <a:t>02/06/2016</a:t>
+              <a:t>08/06/2016</a:t>
             </a:fld>
             <a:endParaRPr lang="fr-FR"/>
           </a:p>
@@ -2097,7 +2105,7 @@
           <a:p>
             <a:fld id="{43B5BB0E-B9AE-4665-805F-6BE458678F3C}" type="datetimeFigureOut">
               <a:rPr lang="fr-FR" smtClean="0"/>
-              <a:t>02/06/2016</a:t>
+              <a:t>08/06/2016</a:t>
             </a:fld>
             <a:endParaRPr lang="fr-FR"/>
           </a:p>
@@ -2350,7 +2358,7 @@
           <a:p>
             <a:fld id="{43B5BB0E-B9AE-4665-805F-6BE458678F3C}" type="datetimeFigureOut">
               <a:rPr lang="fr-FR" smtClean="0"/>
-              <a:t>02/06/2016</a:t>
+              <a:t>08/06/2016</a:t>
             </a:fld>
             <a:endParaRPr lang="fr-FR"/>
           </a:p>
@@ -2563,7 +2571,7 @@
           <a:p>
             <a:fld id="{43B5BB0E-B9AE-4665-805F-6BE458678F3C}" type="datetimeFigureOut">
               <a:rPr lang="fr-FR" smtClean="0"/>
-              <a:t>02/06/2016</a:t>
+              <a:t>08/06/2016</a:t>
             </a:fld>
             <a:endParaRPr lang="fr-FR"/>
           </a:p>
@@ -3151,8 +3159,12 @@
           <a:bodyPr/>
           <a:lstStyle/>
           <a:p>
-            <a:r>
-              <a:rPr lang="fr-FR" dirty="0" smtClean="0"/>
+            <a:pPr marL="571500" indent="-571500">
+              <a:buFont typeface="+mj-lt"/>
+              <a:buAutoNum type="romanUcPeriod"/>
+            </a:pPr>
+            <a:r>
+              <a:rPr lang="fr-FR" u="sng" dirty="0" smtClean="0"/>
               <a:t>Contrôle de la température </a:t>
             </a:r>
           </a:p>
@@ -3207,8 +3219,12 @@
             </a:r>
           </a:p>
           <a:p>
-            <a:r>
-              <a:rPr lang="fr-FR" dirty="0" smtClean="0"/>
+            <a:pPr marL="571500" indent="-571500">
+              <a:buFont typeface="+mj-lt"/>
+              <a:buAutoNum type="romanUcPeriod"/>
+            </a:pPr>
+            <a:r>
+              <a:rPr lang="fr-FR" u="sng" dirty="0" smtClean="0"/>
               <a:t>Conception du boitier </a:t>
             </a:r>
           </a:p>
@@ -3291,29 +3307,34 @@
             <p:ph type="title"/>
           </p:nvPr>
         </p:nvSpPr>
-        <p:spPr/>
-        <p:txBody>
-          <a:bodyPr/>
+        <p:spPr>
+          <a:xfrm>
+            <a:off x="2943299" y="67923"/>
+            <a:ext cx="5906036" cy="682792"/>
+          </a:xfrm>
+        </p:spPr>
+        <p:txBody>
+          <a:bodyPr>
+            <a:normAutofit fontScale="90000"/>
+          </a:bodyPr>
           <a:lstStyle/>
           <a:p>
             <a:pPr algn="ctr"/>
             <a:r>
-              <a:rPr lang="fr-FR" dirty="0" smtClean="0"/>
+              <a:rPr lang="fr-FR" u="sng" dirty="0" smtClean="0"/>
               <a:t>Contrôle de la température</a:t>
             </a:r>
-            <a:endParaRPr lang="fr-FR" dirty="0"/>
+            <a:endParaRPr lang="fr-FR" u="sng" dirty="0"/>
           </a:p>
         </p:txBody>
       </p:sp>
       <p:pic>
         <p:nvPicPr>
-          <p:cNvPr id="4" name="Espace réservé du contenu 3"/>
+          <p:cNvPr id="3" name="Image 2"/>
           <p:cNvPicPr>
-            <a:picLocks noGrp="1" noChangeAspect="1"/>
+            <a:picLocks noChangeAspect="1"/>
           </p:cNvPicPr>
-          <p:nvPr>
-            <p:ph idx="1"/>
-          </p:nvPr>
+          <p:nvPr/>
         </p:nvPicPr>
         <p:blipFill>
           <a:blip r:embed="rId2">
@@ -3328,12 +3349,193 @@
           </a:stretch>
         </p:blipFill>
         <p:spPr>
-          <a:xfrm>
-            <a:off x="613821" y="1799867"/>
-            <a:ext cx="3133931" cy="3315700"/>
-          </a:xfrm>
+          <a:xfrm rot="5400000">
+            <a:off x="7150035" y="3067386"/>
+            <a:ext cx="2007681" cy="5227749"/>
+          </a:xfrm>
+          <a:prstGeom prst="rect">
+            <a:avLst/>
+          </a:prstGeom>
         </p:spPr>
       </p:pic>
+      <p:pic>
+        <p:nvPicPr>
+          <p:cNvPr id="5" name="Image 4"/>
+          <p:cNvPicPr>
+            <a:picLocks noChangeAspect="1"/>
+          </p:cNvPicPr>
+          <p:nvPr/>
+        </p:nvPicPr>
+        <p:blipFill>
+          <a:blip r:embed="rId3">
+            <a:extLst>
+              <a:ext uri="{28A0092B-C50C-407E-A947-70E740481C1C}">
+                <a14:useLocalDpi xmlns:a14="http://schemas.microsoft.com/office/drawing/2010/main" val="0"/>
+              </a:ext>
+            </a:extLst>
+          </a:blip>
+          <a:stretch>
+            <a:fillRect/>
+          </a:stretch>
+        </p:blipFill>
+        <p:spPr>
+          <a:xfrm>
+            <a:off x="5896317" y="1273935"/>
+            <a:ext cx="5732299" cy="2705583"/>
+          </a:xfrm>
+          <a:prstGeom prst="rect">
+            <a:avLst/>
+          </a:prstGeom>
+        </p:spPr>
+      </p:pic>
+      <p:sp>
+        <p:nvSpPr>
+          <p:cNvPr id="6" name="ZoneTexte 5"/>
+          <p:cNvSpPr txBox="1"/>
+          <p:nvPr/>
+        </p:nvSpPr>
+        <p:spPr>
+          <a:xfrm>
+            <a:off x="4368174" y="750715"/>
+            <a:ext cx="3056286" cy="523220"/>
+          </a:xfrm>
+          <a:prstGeom prst="rect">
+            <a:avLst/>
+          </a:prstGeom>
+          <a:noFill/>
+        </p:spPr>
+        <p:txBody>
+          <a:bodyPr wrap="none" rtlCol="0">
+            <a:spAutoFit/>
+          </a:bodyPr>
+          <a:lstStyle/>
+          <a:p>
+            <a:r>
+              <a:rPr lang="fr-FR" sz="2800" dirty="0" smtClean="0"/>
+              <a:t>Éléments à refroidir</a:t>
+            </a:r>
+            <a:endParaRPr lang="fr-FR" sz="2800" dirty="0"/>
+          </a:p>
+        </p:txBody>
+      </p:sp>
+      <p:pic>
+        <p:nvPicPr>
+          <p:cNvPr id="7" name="Image 6"/>
+          <p:cNvPicPr>
+            <a:picLocks noChangeAspect="1"/>
+          </p:cNvPicPr>
+          <p:nvPr/>
+        </p:nvPicPr>
+        <p:blipFill>
+          <a:blip r:embed="rId4"/>
+          <a:stretch>
+            <a:fillRect/>
+          </a:stretch>
+        </p:blipFill>
+        <p:spPr>
+          <a:xfrm rot="16200000">
+            <a:off x="24663" y="2028589"/>
+            <a:ext cx="4982021" cy="3705000"/>
+          </a:xfrm>
+          <a:prstGeom prst="rect">
+            <a:avLst/>
+          </a:prstGeom>
+        </p:spPr>
+      </p:pic>
+      <p:sp>
+        <p:nvSpPr>
+          <p:cNvPr id="9" name="ZoneTexte 8"/>
+          <p:cNvSpPr txBox="1"/>
+          <p:nvPr/>
+        </p:nvSpPr>
+        <p:spPr>
+          <a:xfrm>
+            <a:off x="8153876" y="3979518"/>
+            <a:ext cx="1670009" cy="369332"/>
+          </a:xfrm>
+          <a:prstGeom prst="rect">
+            <a:avLst/>
+          </a:prstGeom>
+          <a:noFill/>
+        </p:spPr>
+        <p:txBody>
+          <a:bodyPr wrap="none" rtlCol="0">
+            <a:spAutoFit/>
+          </a:bodyPr>
+          <a:lstStyle/>
+          <a:p>
+            <a:r>
+              <a:rPr lang="fr-FR" dirty="0" smtClean="0"/>
+              <a:t>Switch Ethernet</a:t>
+            </a:r>
+            <a:endParaRPr lang="fr-FR" dirty="0"/>
+          </a:p>
+        </p:txBody>
+      </p:sp>
+      <p:sp>
+        <p:nvSpPr>
+          <p:cNvPr id="10" name="ZoneTexte 9"/>
+          <p:cNvSpPr txBox="1"/>
+          <p:nvPr/>
+        </p:nvSpPr>
+        <p:spPr>
+          <a:xfrm>
+            <a:off x="10767750" y="6187434"/>
+            <a:ext cx="727250" cy="369332"/>
+          </a:xfrm>
+          <a:prstGeom prst="rect">
+            <a:avLst/>
+          </a:prstGeom>
+          <a:noFill/>
+        </p:spPr>
+        <p:txBody>
+          <a:bodyPr wrap="none" rtlCol="0">
+            <a:spAutoFit/>
+          </a:bodyPr>
+          <a:lstStyle/>
+          <a:p>
+            <a:r>
+              <a:rPr lang="fr-FR" dirty="0" smtClean="0"/>
+              <a:t>Relais</a:t>
+            </a:r>
+            <a:endParaRPr lang="fr-FR" dirty="0"/>
+          </a:p>
+        </p:txBody>
+      </p:sp>
+      <p:sp>
+        <p:nvSpPr>
+          <p:cNvPr id="11" name="ZoneTexte 10"/>
+          <p:cNvSpPr txBox="1"/>
+          <p:nvPr/>
+        </p:nvSpPr>
+        <p:spPr>
+          <a:xfrm>
+            <a:off x="1834461" y="6386398"/>
+            <a:ext cx="1362424" cy="369332"/>
+          </a:xfrm>
+          <a:prstGeom prst="rect">
+            <a:avLst/>
+          </a:prstGeom>
+          <a:noFill/>
+        </p:spPr>
+        <p:txBody>
+          <a:bodyPr wrap="none" rtlCol="0">
+            <a:spAutoFit/>
+          </a:bodyPr>
+          <a:lstStyle/>
+          <a:p>
+            <a:r>
+              <a:rPr lang="fr-FR" dirty="0" err="1" smtClean="0"/>
+              <a:t>Raspberry</a:t>
+            </a:r>
+            <a:r>
+              <a:rPr lang="fr-FR" dirty="0" smtClean="0"/>
+              <a:t> pi</a:t>
+            </a:r>
+            <a:endParaRPr lang="fr-FR" dirty="0"/>
+          </a:p>
+        </p:txBody>
+      </p:sp>
     </p:spTree>
     <p:extLst>
       <p:ext uri="{BB962C8B-B14F-4D97-AF65-F5344CB8AC3E}">
@@ -3374,31 +3576,170 @@
             <p:ph type="title"/>
           </p:nvPr>
         </p:nvSpPr>
-        <p:spPr/>
-        <p:txBody>
-          <a:bodyPr/>
-          <a:lstStyle/>
-          <a:p>
+        <p:spPr>
+          <a:xfrm>
+            <a:off x="5310925" y="133305"/>
+            <a:ext cx="1570149" cy="484881"/>
+          </a:xfrm>
+        </p:spPr>
+        <p:txBody>
+          <a:bodyPr/>
+          <a:lstStyle/>
+          <a:p>
+            <a:pPr algn="ctr"/>
+            <a:r>
+              <a:rPr lang="fr-FR" sz="2800" dirty="0" smtClean="0"/>
+              <a:t>Mesures</a:t>
+            </a:r>
+            <a:endParaRPr lang="fr-FR" sz="2800" dirty="0"/>
+          </a:p>
+        </p:txBody>
+      </p:sp>
+      <p:pic>
+        <p:nvPicPr>
+          <p:cNvPr id="4" name="Image 3"/>
+          <p:cNvPicPr>
+            <a:picLocks noChangeAspect="1"/>
+          </p:cNvPicPr>
+          <p:nvPr/>
+        </p:nvPicPr>
+        <p:blipFill>
+          <a:blip r:embed="rId2">
+            <a:extLst>
+              <a:ext uri="{28A0092B-C50C-407E-A947-70E740481C1C}">
+                <a14:useLocalDpi xmlns:a14="http://schemas.microsoft.com/office/drawing/2010/main" val="0"/>
+              </a:ext>
+            </a:extLst>
+          </a:blip>
+          <a:stretch>
+            <a:fillRect/>
+          </a:stretch>
+        </p:blipFill>
+        <p:spPr>
+          <a:xfrm>
+            <a:off x="6423202" y="1975498"/>
+            <a:ext cx="3028950" cy="2266950"/>
+          </a:xfrm>
+          <a:prstGeom prst="rect">
+            <a:avLst/>
+          </a:prstGeom>
+        </p:spPr>
+      </p:pic>
+      <p:sp>
+        <p:nvSpPr>
+          <p:cNvPr id="5" name="ZoneTexte 4"/>
+          <p:cNvSpPr txBox="1"/>
+          <p:nvPr/>
+        </p:nvSpPr>
+        <p:spPr>
+          <a:xfrm>
+            <a:off x="177455" y="631065"/>
+            <a:ext cx="12014545" cy="923330"/>
+          </a:xfrm>
+          <a:prstGeom prst="rect">
+            <a:avLst/>
+          </a:prstGeom>
+          <a:noFill/>
+        </p:spPr>
+        <p:txBody>
+          <a:bodyPr wrap="square" rtlCol="0">
+            <a:spAutoFit/>
+          </a:bodyPr>
+          <a:lstStyle/>
+          <a:p>
+            <a:r>
+              <a:rPr lang="fr-FR" dirty="0" smtClean="0"/>
+              <a:t>On a simulé l’utilisation des </a:t>
+            </a:r>
+            <a:r>
+              <a:rPr lang="fr-FR" dirty="0" err="1" smtClean="0"/>
+              <a:t>Raspberrys</a:t>
+            </a:r>
+            <a:r>
+              <a:rPr lang="fr-FR" dirty="0" smtClean="0"/>
+              <a:t> grâce à une commande intégrée qui  fait augmenter par paliers de 25% la charge du CPU</a:t>
+            </a:r>
+          </a:p>
+          <a:p>
+            <a:r>
+              <a:rPr lang="fr-FR" dirty="0" smtClean="0"/>
+              <a:t>On a ensuite relevé les températures des cartes grâce à une caméra thermique </a:t>
+            </a:r>
+            <a:r>
+              <a:rPr lang="fr-FR" dirty="0" err="1" smtClean="0"/>
+              <a:t>Fluke</a:t>
+            </a:r>
+            <a:r>
+              <a:rPr lang="fr-FR" dirty="0" smtClean="0"/>
+              <a:t> lors de leur utilisation sans boîtier </a:t>
+            </a:r>
             <a:endParaRPr lang="fr-FR" dirty="0"/>
           </a:p>
         </p:txBody>
       </p:sp>
-      <p:sp>
-        <p:nvSpPr>
-          <p:cNvPr id="3" name="Espace réservé du contenu 2"/>
-          <p:cNvSpPr>
-            <a:spLocks noGrp="1"/>
-          </p:cNvSpPr>
-          <p:nvPr>
-            <p:ph idx="1"/>
-          </p:nvPr>
-        </p:nvSpPr>
-        <p:spPr/>
-        <p:txBody>
-          <a:bodyPr/>
-          <a:lstStyle/>
-          <a:p>
-            <a:endParaRPr lang="fr-FR"/>
+      <p:pic>
+        <p:nvPicPr>
+          <p:cNvPr id="7" name="Image 6"/>
+          <p:cNvPicPr>
+            <a:picLocks noChangeAspect="1"/>
+          </p:cNvPicPr>
+          <p:nvPr/>
+        </p:nvPicPr>
+        <p:blipFill>
+          <a:blip r:embed="rId3">
+            <a:extLst>
+              <a:ext uri="{28A0092B-C50C-407E-A947-70E740481C1C}">
+                <a14:useLocalDpi xmlns:a14="http://schemas.microsoft.com/office/drawing/2010/main" val="0"/>
+              </a:ext>
+            </a:extLst>
+          </a:blip>
+          <a:stretch>
+            <a:fillRect/>
+          </a:stretch>
+        </p:blipFill>
+        <p:spPr>
+          <a:xfrm>
+            <a:off x="907693" y="2023123"/>
+            <a:ext cx="3009900" cy="2219325"/>
+          </a:xfrm>
+          <a:prstGeom prst="rect">
+            <a:avLst/>
+          </a:prstGeom>
+        </p:spPr>
+      </p:pic>
+      <p:sp>
+        <p:nvSpPr>
+          <p:cNvPr id="8" name="ZoneTexte 7"/>
+          <p:cNvSpPr txBox="1"/>
+          <p:nvPr/>
+        </p:nvSpPr>
+        <p:spPr>
+          <a:xfrm>
+            <a:off x="907693" y="4868213"/>
+            <a:ext cx="6758004" cy="646331"/>
+          </a:xfrm>
+          <a:prstGeom prst="rect">
+            <a:avLst/>
+          </a:prstGeom>
+          <a:noFill/>
+        </p:spPr>
+        <p:txBody>
+          <a:bodyPr wrap="none" rtlCol="0">
+            <a:spAutoFit/>
+          </a:bodyPr>
+          <a:lstStyle/>
+          <a:p>
+            <a:r>
+              <a:rPr lang="fr-FR" dirty="0" smtClean="0"/>
+              <a:t>Utilisation optimale : température ambiante</a:t>
+            </a:r>
+          </a:p>
+          <a:p>
+            <a:r>
+              <a:rPr lang="fr-FR" dirty="0" smtClean="0"/>
+              <a:t>La température est donc trop élevée pour une utilisation à plein temps</a:t>
+            </a:r>
+            <a:endParaRPr lang="fr-FR" dirty="0"/>
           </a:p>
         </p:txBody>
       </p:sp>
@@ -3432,41 +3773,156 @@
           <a:chExt cx="0" cy="0"/>
         </a:xfrm>
       </p:grpSpPr>
-      <p:sp>
-        <p:nvSpPr>
-          <p:cNvPr id="2" name="Titre 1"/>
-          <p:cNvSpPr>
-            <a:spLocks noGrp="1"/>
-          </p:cNvSpPr>
-          <p:nvPr>
-            <p:ph type="title"/>
-          </p:nvPr>
-        </p:nvSpPr>
-        <p:spPr/>
-        <p:txBody>
-          <a:bodyPr/>
-          <a:lstStyle/>
-          <a:p>
-            <a:endParaRPr lang="fr-FR"/>
-          </a:p>
-        </p:txBody>
-      </p:sp>
-      <p:sp>
-        <p:nvSpPr>
-          <p:cNvPr id="3" name="Espace réservé du contenu 2"/>
-          <p:cNvSpPr>
-            <a:spLocks noGrp="1"/>
-          </p:cNvSpPr>
+      <p:pic>
+        <p:nvPicPr>
+          <p:cNvPr id="4" name="Espace réservé du contenu 3"/>
+          <p:cNvPicPr>
+            <a:picLocks noGrp="1" noChangeAspect="1"/>
+          </p:cNvPicPr>
           <p:nvPr>
             <p:ph idx="1"/>
           </p:nvPr>
-        </p:nvSpPr>
-        <p:spPr/>
-        <p:txBody>
-          <a:bodyPr/>
-          <a:lstStyle/>
-          <a:p>
-            <a:endParaRPr lang="fr-FR"/>
+        </p:nvPicPr>
+        <p:blipFill>
+          <a:blip r:embed="rId2">
+            <a:extLst>
+              <a:ext uri="{28A0092B-C50C-407E-A947-70E740481C1C}">
+                <a14:useLocalDpi xmlns:a14="http://schemas.microsoft.com/office/drawing/2010/main" val="0"/>
+              </a:ext>
+            </a:extLst>
+          </a:blip>
+          <a:stretch>
+            <a:fillRect/>
+          </a:stretch>
+        </p:blipFill>
+        <p:spPr>
+          <a:xfrm>
+            <a:off x="553076" y="640622"/>
+            <a:ext cx="1996941" cy="1518611"/>
+          </a:xfrm>
+        </p:spPr>
+      </p:pic>
+      <p:pic>
+        <p:nvPicPr>
+          <p:cNvPr id="5" name="Image 4"/>
+          <p:cNvPicPr>
+            <a:picLocks noChangeAspect="1"/>
+          </p:cNvPicPr>
+          <p:nvPr/>
+        </p:nvPicPr>
+        <p:blipFill>
+          <a:blip r:embed="rId3"/>
+          <a:stretch>
+            <a:fillRect/>
+          </a:stretch>
+        </p:blipFill>
+        <p:spPr>
+          <a:xfrm>
+            <a:off x="2895319" y="537937"/>
+            <a:ext cx="1895622" cy="1621296"/>
+          </a:xfrm>
+          <a:prstGeom prst="rect">
+            <a:avLst/>
+          </a:prstGeom>
+        </p:spPr>
+      </p:pic>
+      <p:sp>
+        <p:nvSpPr>
+          <p:cNvPr id="6" name="ZoneTexte 5"/>
+          <p:cNvSpPr txBox="1"/>
+          <p:nvPr/>
+        </p:nvSpPr>
+        <p:spPr>
+          <a:xfrm>
+            <a:off x="2450586" y="27060"/>
+            <a:ext cx="6317499" cy="369332"/>
+          </a:xfrm>
+          <a:prstGeom prst="rect">
+            <a:avLst/>
+          </a:prstGeom>
+          <a:noFill/>
+        </p:spPr>
+        <p:txBody>
+          <a:bodyPr wrap="none" rtlCol="0">
+            <a:spAutoFit/>
+          </a:bodyPr>
+          <a:lstStyle/>
+          <a:p>
+            <a:r>
+              <a:rPr lang="fr-FR" dirty="0" smtClean="0"/>
+              <a:t>Utilisation de radiateurs prévus spécialement pour les </a:t>
+            </a:r>
+            <a:r>
+              <a:rPr lang="fr-FR" dirty="0" err="1" smtClean="0"/>
+              <a:t>Raspberrys</a:t>
+            </a:r>
+            <a:endParaRPr lang="fr-FR" dirty="0"/>
+          </a:p>
+        </p:txBody>
+      </p:sp>
+      <p:pic>
+        <p:nvPicPr>
+          <p:cNvPr id="7" name="Image 6"/>
+          <p:cNvPicPr>
+            <a:picLocks noChangeAspect="1"/>
+          </p:cNvPicPr>
+          <p:nvPr/>
+        </p:nvPicPr>
+        <p:blipFill>
+          <a:blip r:embed="rId4">
+            <a:extLst>
+              <a:ext uri="{28A0092B-C50C-407E-A947-70E740481C1C}">
+                <a14:useLocalDpi xmlns:a14="http://schemas.microsoft.com/office/drawing/2010/main" val="0"/>
+              </a:ext>
+            </a:extLst>
+          </a:blip>
+          <a:stretch>
+            <a:fillRect/>
+          </a:stretch>
+        </p:blipFill>
+        <p:spPr>
+          <a:xfrm>
+            <a:off x="553076" y="2871989"/>
+            <a:ext cx="5974470" cy="3556836"/>
+          </a:xfrm>
+          <a:prstGeom prst="rect">
+            <a:avLst/>
+          </a:prstGeom>
+        </p:spPr>
+      </p:pic>
+      <p:sp>
+        <p:nvSpPr>
+          <p:cNvPr id="8" name="ZoneTexte 7"/>
+          <p:cNvSpPr txBox="1"/>
+          <p:nvPr/>
+        </p:nvSpPr>
+        <p:spPr>
+          <a:xfrm>
+            <a:off x="6799885" y="3683358"/>
+            <a:ext cx="4696222" cy="646331"/>
+          </a:xfrm>
+          <a:prstGeom prst="rect">
+            <a:avLst/>
+          </a:prstGeom>
+          <a:noFill/>
+        </p:spPr>
+        <p:txBody>
+          <a:bodyPr wrap="none" rtlCol="0">
+            <a:spAutoFit/>
+          </a:bodyPr>
+          <a:lstStyle/>
+          <a:p>
+            <a:r>
+              <a:rPr lang="fr-FR" dirty="0" smtClean="0"/>
+              <a:t>On perd jusqu’à 20°C avec les radiateurs mais la</a:t>
+            </a:r>
+          </a:p>
+          <a:p>
+            <a:r>
+              <a:rPr lang="fr-FR" dirty="0" smtClean="0"/>
+              <a:t>Température est toujours trop élevée</a:t>
+            </a:r>
+            <a:endParaRPr lang="fr-FR" dirty="0"/>
           </a:p>
         </p:txBody>
       </p:sp>
@@ -3474,6 +3930,396 @@
     <p:extLst>
       <p:ext uri="{BB962C8B-B14F-4D97-AF65-F5344CB8AC3E}">
         <p14:creationId xmlns:p14="http://schemas.microsoft.com/office/powerpoint/2010/main" val="1037235302"/>
+      </p:ext>
+    </p:extLst>
+  </p:cSld>
+  <p:clrMapOvr>
+    <a:masterClrMapping/>
+  </p:clrMapOvr>
+</p:sld>
+</file>
+
+<file path=ppt/slides/slide6.xml><?xml version="1.0" encoding="utf-8"?>
+<p:sld xmlns:a="http://schemas.openxmlformats.org/drawingml/2006/main" xmlns:r="http://schemas.openxmlformats.org/officeDocument/2006/relationships" xmlns:p="http://schemas.openxmlformats.org/presentationml/2006/main">
+  <p:cSld>
+    <p:spTree>
+      <p:nvGrpSpPr>
+        <p:cNvPr id="1" name=""/>
+        <p:cNvGrpSpPr/>
+        <p:nvPr/>
+      </p:nvGrpSpPr>
+      <p:grpSpPr>
+        <a:xfrm>
+          <a:off x="0" y="0"/>
+          <a:ext cx="0" cy="0"/>
+          <a:chOff x="0" y="0"/>
+          <a:chExt cx="0" cy="0"/>
+        </a:xfrm>
+      </p:grpSpPr>
+      <p:sp>
+        <p:nvSpPr>
+          <p:cNvPr id="4" name="ZoneTexte 3"/>
+          <p:cNvSpPr txBox="1"/>
+          <p:nvPr/>
+        </p:nvSpPr>
+        <p:spPr>
+          <a:xfrm>
+            <a:off x="1056067" y="386366"/>
+            <a:ext cx="9333004" cy="369332"/>
+          </a:xfrm>
+          <a:prstGeom prst="rect">
+            <a:avLst/>
+          </a:prstGeom>
+          <a:noFill/>
+        </p:spPr>
+        <p:txBody>
+          <a:bodyPr wrap="none" rtlCol="0">
+            <a:spAutoFit/>
+          </a:bodyPr>
+          <a:lstStyle/>
+          <a:p>
+            <a:r>
+              <a:rPr lang="fr-FR" dirty="0" smtClean="0"/>
+              <a:t>Nous avons donc ventilé les </a:t>
+            </a:r>
+            <a:r>
+              <a:rPr lang="fr-FR" dirty="0" err="1" smtClean="0"/>
+              <a:t>Raspberry</a:t>
+            </a:r>
+            <a:r>
+              <a:rPr lang="fr-FR" dirty="0" smtClean="0"/>
+              <a:t> et repris les températures pour différentes charges du CPU</a:t>
+            </a:r>
+            <a:endParaRPr lang="fr-FR" dirty="0"/>
+          </a:p>
+        </p:txBody>
+      </p:sp>
+      <p:pic>
+        <p:nvPicPr>
+          <p:cNvPr id="5" name="Image 4"/>
+          <p:cNvPicPr>
+            <a:picLocks noChangeAspect="1"/>
+          </p:cNvPicPr>
+          <p:nvPr/>
+        </p:nvPicPr>
+        <p:blipFill>
+          <a:blip r:embed="rId2">
+            <a:extLst>
+              <a:ext uri="{28A0092B-C50C-407E-A947-70E740481C1C}">
+                <a14:useLocalDpi xmlns:a14="http://schemas.microsoft.com/office/drawing/2010/main" val="0"/>
+              </a:ext>
+            </a:extLst>
+          </a:blip>
+          <a:stretch>
+            <a:fillRect/>
+          </a:stretch>
+        </p:blipFill>
+        <p:spPr>
+          <a:xfrm>
+            <a:off x="672381" y="4011322"/>
+            <a:ext cx="3423102" cy="2676866"/>
+          </a:xfrm>
+          <a:prstGeom prst="rect">
+            <a:avLst/>
+          </a:prstGeom>
+        </p:spPr>
+      </p:pic>
+      <p:pic>
+        <p:nvPicPr>
+          <p:cNvPr id="6" name="Image 5"/>
+          <p:cNvPicPr>
+            <a:picLocks noChangeAspect="1"/>
+          </p:cNvPicPr>
+          <p:nvPr/>
+        </p:nvPicPr>
+        <p:blipFill>
+          <a:blip r:embed="rId3">
+            <a:extLst>
+              <a:ext uri="{28A0092B-C50C-407E-A947-70E740481C1C}">
+                <a14:useLocalDpi xmlns:a14="http://schemas.microsoft.com/office/drawing/2010/main" val="0"/>
+              </a:ext>
+            </a:extLst>
+          </a:blip>
+          <a:stretch>
+            <a:fillRect/>
+          </a:stretch>
+        </p:blipFill>
+        <p:spPr>
+          <a:xfrm>
+            <a:off x="785611" y="1035591"/>
+            <a:ext cx="2653048" cy="2833455"/>
+          </a:xfrm>
+          <a:prstGeom prst="rect">
+            <a:avLst/>
+          </a:prstGeom>
+        </p:spPr>
+      </p:pic>
+      <p:pic>
+        <p:nvPicPr>
+          <p:cNvPr id="7" name="Image 6"/>
+          <p:cNvPicPr>
+            <a:picLocks noChangeAspect="1"/>
+          </p:cNvPicPr>
+          <p:nvPr/>
+        </p:nvPicPr>
+        <p:blipFill>
+          <a:blip r:embed="rId4">
+            <a:extLst>
+              <a:ext uri="{28A0092B-C50C-407E-A947-70E740481C1C}">
+                <a14:useLocalDpi xmlns:a14="http://schemas.microsoft.com/office/drawing/2010/main" val="0"/>
+              </a:ext>
+            </a:extLst>
+          </a:blip>
+          <a:stretch>
+            <a:fillRect/>
+          </a:stretch>
+        </p:blipFill>
+        <p:spPr>
+          <a:xfrm>
+            <a:off x="5208183" y="924511"/>
+            <a:ext cx="6009316" cy="3531903"/>
+          </a:xfrm>
+          <a:prstGeom prst="rect">
+            <a:avLst/>
+          </a:prstGeom>
+        </p:spPr>
+      </p:pic>
+    </p:spTree>
+    <p:extLst>
+      <p:ext uri="{BB962C8B-B14F-4D97-AF65-F5344CB8AC3E}">
+        <p14:creationId xmlns:p14="http://schemas.microsoft.com/office/powerpoint/2010/main" val="2485782684"/>
+      </p:ext>
+    </p:extLst>
+  </p:cSld>
+  <p:clrMapOvr>
+    <a:masterClrMapping/>
+  </p:clrMapOvr>
+</p:sld>
+</file>
+
+<file path=ppt/slides/slide7.xml><?xml version="1.0" encoding="utf-8"?>
+<p:sld xmlns:a="http://schemas.openxmlformats.org/drawingml/2006/main" xmlns:r="http://schemas.openxmlformats.org/officeDocument/2006/relationships" xmlns:p="http://schemas.openxmlformats.org/presentationml/2006/main">
+  <p:cSld>
+    <p:spTree>
+      <p:nvGrpSpPr>
+        <p:cNvPr id="1" name=""/>
+        <p:cNvGrpSpPr/>
+        <p:nvPr/>
+      </p:nvGrpSpPr>
+      <p:grpSpPr>
+        <a:xfrm>
+          <a:off x="0" y="0"/>
+          <a:ext cx="0" cy="0"/>
+          <a:chOff x="0" y="0"/>
+          <a:chExt cx="0" cy="0"/>
+        </a:xfrm>
+      </p:grpSpPr>
+      <p:sp>
+        <p:nvSpPr>
+          <p:cNvPr id="4" name="ZoneTexte 3"/>
+          <p:cNvSpPr txBox="1"/>
+          <p:nvPr/>
+        </p:nvSpPr>
+        <p:spPr>
+          <a:xfrm>
+            <a:off x="656822" y="334851"/>
+            <a:ext cx="5006563" cy="646331"/>
+          </a:xfrm>
+          <a:prstGeom prst="rect">
+            <a:avLst/>
+          </a:prstGeom>
+          <a:noFill/>
+        </p:spPr>
+        <p:txBody>
+          <a:bodyPr wrap="none" rtlCol="0">
+            <a:spAutoFit/>
+          </a:bodyPr>
+          <a:lstStyle/>
+          <a:p>
+            <a:r>
+              <a:rPr lang="fr-FR" dirty="0" smtClean="0"/>
+              <a:t>Utilisation finale des </a:t>
+            </a:r>
+            <a:r>
+              <a:rPr lang="fr-FR" dirty="0" err="1" smtClean="0"/>
+              <a:t>Raspberry</a:t>
+            </a:r>
+            <a:r>
+              <a:rPr lang="fr-FR" dirty="0" smtClean="0"/>
+              <a:t> pi dans un boîtier</a:t>
+            </a:r>
+          </a:p>
+          <a:p>
+            <a:r>
+              <a:rPr lang="fr-FR" dirty="0" smtClean="0"/>
+              <a:t>On a donc fait les mêmes tests mais dans un boîtier</a:t>
+            </a:r>
+            <a:endParaRPr lang="fr-FR" dirty="0"/>
+          </a:p>
+        </p:txBody>
+      </p:sp>
+      <p:pic>
+        <p:nvPicPr>
+          <p:cNvPr id="5" name="Image 4"/>
+          <p:cNvPicPr>
+            <a:picLocks noChangeAspect="1"/>
+          </p:cNvPicPr>
+          <p:nvPr/>
+        </p:nvPicPr>
+        <p:blipFill>
+          <a:blip r:embed="rId2">
+            <a:extLst>
+              <a:ext uri="{28A0092B-C50C-407E-A947-70E740481C1C}">
+                <a14:useLocalDpi xmlns:a14="http://schemas.microsoft.com/office/drawing/2010/main" val="0"/>
+              </a:ext>
+            </a:extLst>
+          </a:blip>
+          <a:stretch>
+            <a:fillRect/>
+          </a:stretch>
+        </p:blipFill>
+        <p:spPr>
+          <a:xfrm>
+            <a:off x="2978150" y="82550"/>
+            <a:ext cx="6235700" cy="6692900"/>
+          </a:xfrm>
+          <a:prstGeom prst="rect">
+            <a:avLst/>
+          </a:prstGeom>
+        </p:spPr>
+      </p:pic>
+      <p:pic>
+        <p:nvPicPr>
+          <p:cNvPr id="6" name="Image 5"/>
+          <p:cNvPicPr>
+            <a:picLocks noChangeAspect="1"/>
+          </p:cNvPicPr>
+          <p:nvPr/>
+        </p:nvPicPr>
+        <p:blipFill>
+          <a:blip r:embed="rId3">
+            <a:extLst>
+              <a:ext uri="{28A0092B-C50C-407E-A947-70E740481C1C}">
+                <a14:useLocalDpi xmlns:a14="http://schemas.microsoft.com/office/drawing/2010/main" val="0"/>
+              </a:ext>
+            </a:extLst>
+          </a:blip>
+          <a:stretch>
+            <a:fillRect/>
+          </a:stretch>
+        </p:blipFill>
+        <p:spPr>
+          <a:xfrm>
+            <a:off x="3567239" y="0"/>
+            <a:ext cx="5057522" cy="6858000"/>
+          </a:xfrm>
+          <a:prstGeom prst="rect">
+            <a:avLst/>
+          </a:prstGeom>
+        </p:spPr>
+      </p:pic>
+      <p:pic>
+        <p:nvPicPr>
+          <p:cNvPr id="7" name="Image 6"/>
+          <p:cNvPicPr>
+            <a:picLocks noChangeAspect="1"/>
+          </p:cNvPicPr>
+          <p:nvPr/>
+        </p:nvPicPr>
+        <p:blipFill>
+          <a:blip r:embed="rId4">
+            <a:extLst>
+              <a:ext uri="{28A0092B-C50C-407E-A947-70E740481C1C}">
+                <a14:useLocalDpi xmlns:a14="http://schemas.microsoft.com/office/drawing/2010/main" val="0"/>
+              </a:ext>
+            </a:extLst>
+          </a:blip>
+          <a:stretch>
+            <a:fillRect/>
+          </a:stretch>
+        </p:blipFill>
+        <p:spPr>
+          <a:xfrm>
+            <a:off x="-564066" y="-309093"/>
+            <a:ext cx="4822785" cy="6858000"/>
+          </a:xfrm>
+          <a:prstGeom prst="rect">
+            <a:avLst/>
+          </a:prstGeom>
+        </p:spPr>
+      </p:pic>
+    </p:spTree>
+    <p:extLst>
+      <p:ext uri="{BB962C8B-B14F-4D97-AF65-F5344CB8AC3E}">
+        <p14:creationId xmlns:p14="http://schemas.microsoft.com/office/powerpoint/2010/main" val="3653973209"/>
+      </p:ext>
+    </p:extLst>
+  </p:cSld>
+  <p:clrMapOvr>
+    <a:masterClrMapping/>
+  </p:clrMapOvr>
+</p:sld>
+</file>
+
+<file path=ppt/slides/slide8.xml><?xml version="1.0" encoding="utf-8"?>
+<p:sld xmlns:a="http://schemas.openxmlformats.org/drawingml/2006/main" xmlns:r="http://schemas.openxmlformats.org/officeDocument/2006/relationships" xmlns:p="http://schemas.openxmlformats.org/presentationml/2006/main">
+  <p:cSld>
+    <p:spTree>
+      <p:nvGrpSpPr>
+        <p:cNvPr id="1" name=""/>
+        <p:cNvGrpSpPr/>
+        <p:nvPr/>
+      </p:nvGrpSpPr>
+      <p:grpSpPr>
+        <a:xfrm>
+          <a:off x="0" y="0"/>
+          <a:ext cx="0" cy="0"/>
+          <a:chOff x="0" y="0"/>
+          <a:chExt cx="0" cy="0"/>
+        </a:xfrm>
+      </p:grpSpPr>
+      <p:sp>
+        <p:nvSpPr>
+          <p:cNvPr id="2" name="Titre 1"/>
+          <p:cNvSpPr>
+            <a:spLocks noGrp="1"/>
+          </p:cNvSpPr>
+          <p:nvPr>
+            <p:ph type="title"/>
+          </p:nvPr>
+        </p:nvSpPr>
+        <p:spPr/>
+        <p:txBody>
+          <a:bodyPr/>
+          <a:lstStyle/>
+          <a:p>
+            <a:endParaRPr lang="fr-FR"/>
+          </a:p>
+        </p:txBody>
+      </p:sp>
+      <p:sp>
+        <p:nvSpPr>
+          <p:cNvPr id="3" name="Espace réservé du contenu 2"/>
+          <p:cNvSpPr>
+            <a:spLocks noGrp="1"/>
+          </p:cNvSpPr>
+          <p:nvPr>
+            <p:ph idx="1"/>
+          </p:nvPr>
+        </p:nvSpPr>
+        <p:spPr/>
+        <p:txBody>
+          <a:bodyPr/>
+          <a:lstStyle/>
+          <a:p>
+            <a:endParaRPr lang="fr-FR"/>
+          </a:p>
+        </p:txBody>
+      </p:sp>
+    </p:spTree>
+    <p:extLst>
+      <p:ext uri="{BB962C8B-B14F-4D97-AF65-F5344CB8AC3E}">
+        <p14:creationId xmlns:p14="http://schemas.microsoft.com/office/powerpoint/2010/main" val="3075212139"/>
       </p:ext>
     </p:extLst>
   </p:cSld>
